--- a/cspe102/2022/slides/pptx/lecture1.pptx
+++ b/cspe102/2022/slides/pptx/lecture1.pptx
@@ -214,7 +214,7 @@
           <a:p>
             <a:fld id="{F4504603-A7F9-4608-ADA5-13EB08EE7965}" type="datetimeFigureOut">
               <a:rPr lang="en-US" smtClean="0"/>
-              <a:t>8/22/2022</a:t>
+              <a:t>8/23/2022</a:t>
             </a:fld>
             <a:endParaRPr lang="en-US"/>
           </a:p>
@@ -525,63 +525,6 @@
           <a:bodyPr/>
           <a:lstStyle/>
           <a:p>
-            <a:r>
-              <a:rPr lang="en-US" dirty="0"/>
-              <a:t>[Ask them, what is “intelligence] to them?</a:t>
-            </a:r>
-          </a:p>
-          <a:p>
-            <a:endParaRPr lang="en-US" dirty="0"/>
-          </a:p>
-          <a:p>
-            <a:r>
-              <a:rPr lang="en-US" dirty="0"/>
-              <a:t>[Give them 5 minutes to think]</a:t>
-            </a:r>
-          </a:p>
-          <a:p>
-            <a:endParaRPr lang="en-US" dirty="0"/>
-          </a:p>
-          <a:p>
-            <a:r>
-              <a:rPr lang="en-US" dirty="0"/>
-              <a:t>[Choose volunteer, if none pick to the list]</a:t>
-            </a:r>
-          </a:p>
-          <a:p>
-            <a:endParaRPr lang="en-US" dirty="0"/>
-          </a:p>
-          <a:p>
-            <a:r>
-              <a:rPr lang="en-US" dirty="0"/>
-              <a:t>[1]</a:t>
-            </a:r>
-          </a:p>
-          <a:p>
-            <a:r>
-              <a:rPr lang="en-US" dirty="0"/>
-              <a:t>First def, intel. is a quality possessed by humans.</a:t>
-            </a:r>
-          </a:p>
-          <a:p>
-            <a:endParaRPr lang="en-US" dirty="0"/>
-          </a:p>
-          <a:p>
-            <a:r>
-              <a:rPr lang="en-US" dirty="0"/>
-              <a:t>[2]</a:t>
-            </a:r>
-          </a:p>
-          <a:p>
-            <a:r>
-              <a:rPr lang="en-US" dirty="0"/>
-              <a:t>Second def, not specific if someone or something can think and understand.</a:t>
-            </a:r>
-          </a:p>
-          <a:p>
-            <a:endParaRPr lang="en-US" dirty="0"/>
-          </a:p>
-          <a:p>
             <a:endParaRPr lang="en-US" dirty="0"/>
           </a:p>
         </p:txBody>
@@ -687,6 +630,90 @@
           <a:p>
             <a:fld id="{9F33BB03-5EF8-4B58-B8FA-28D4639B4200}" type="slidenum">
               <a:rPr lang="en-US" smtClean="0"/>
+              <a:t>17</a:t>
+            </a:fld>
+            <a:endParaRPr lang="en-US"/>
+          </a:p>
+        </p:txBody>
+      </p:sp>
+    </p:spTree>
+    <p:extLst>
+      <p:ext uri="{BB962C8B-B14F-4D97-AF65-F5344CB8AC3E}">
+        <p14:creationId xmlns:p14="http://schemas.microsoft.com/office/powerpoint/2010/main" val="2106803618"/>
+      </p:ext>
+    </p:extLst>
+  </p:cSld>
+  <p:clrMapOvr>
+    <a:masterClrMapping/>
+  </p:clrMapOvr>
+</p:notes>
+</file>
+
+<file path=ppt/notesSlides/notesSlide11.xml><?xml version="1.0" encoding="utf-8"?>
+<p:notes xmlns:a="http://schemas.openxmlformats.org/drawingml/2006/main" xmlns:r="http://schemas.openxmlformats.org/officeDocument/2006/relationships" xmlns:p="http://schemas.openxmlformats.org/presentationml/2006/main">
+  <p:cSld>
+    <p:spTree>
+      <p:nvGrpSpPr>
+        <p:cNvPr id="1" name=""/>
+        <p:cNvGrpSpPr/>
+        <p:nvPr/>
+      </p:nvGrpSpPr>
+      <p:grpSpPr>
+        <a:xfrm>
+          <a:off x="0" y="0"/>
+          <a:ext cx="0" cy="0"/>
+          <a:chOff x="0" y="0"/>
+          <a:chExt cx="0" cy="0"/>
+        </a:xfrm>
+      </p:grpSpPr>
+      <p:sp>
+        <p:nvSpPr>
+          <p:cNvPr id="2" name="Slide Image Placeholder 1"/>
+          <p:cNvSpPr>
+            <a:spLocks noGrp="1" noRot="1" noChangeAspect="1"/>
+          </p:cNvSpPr>
+          <p:nvPr>
+            <p:ph type="sldImg"/>
+          </p:nvPr>
+        </p:nvSpPr>
+        <p:spPr/>
+      </p:sp>
+      <p:sp>
+        <p:nvSpPr>
+          <p:cNvPr id="3" name="Notes Placeholder 2"/>
+          <p:cNvSpPr>
+            <a:spLocks noGrp="1"/>
+          </p:cNvSpPr>
+          <p:nvPr>
+            <p:ph type="body" idx="1"/>
+          </p:nvPr>
+        </p:nvSpPr>
+        <p:spPr/>
+        <p:txBody>
+          <a:bodyPr/>
+          <a:lstStyle/>
+          <a:p>
+            <a:endParaRPr lang="en-US" dirty="0"/>
+          </a:p>
+        </p:txBody>
+      </p:sp>
+      <p:sp>
+        <p:nvSpPr>
+          <p:cNvPr id="4" name="Slide Number Placeholder 3"/>
+          <p:cNvSpPr>
+            <a:spLocks noGrp="1"/>
+          </p:cNvSpPr>
+          <p:nvPr>
+            <p:ph type="sldNum" sz="quarter" idx="5"/>
+          </p:nvPr>
+        </p:nvSpPr>
+        <p:spPr/>
+        <p:txBody>
+          <a:bodyPr/>
+          <a:lstStyle/>
+          <a:p>
+            <a:fld id="{9F33BB03-5EF8-4B58-B8FA-28D4639B4200}" type="slidenum">
+              <a:rPr lang="en-US" smtClean="0"/>
               <a:t>18</a:t>
             </a:fld>
             <a:endParaRPr lang="en-US"/>
@@ -752,32 +779,6 @@
           <a:p>
             <a:endParaRPr lang="en-US" dirty="0"/>
           </a:p>
-          <a:p>
-            <a:r>
-              <a:rPr lang="en-US" dirty="0"/>
-              <a:t>[3]</a:t>
-            </a:r>
-          </a:p>
-          <a:p>
-            <a:r>
-              <a:rPr lang="en-US" dirty="0"/>
-              <a:t>-Different person approaches an encountered problems.</a:t>
-            </a:r>
-          </a:p>
-          <a:p>
-            <a:r>
-              <a:rPr lang="en-US" dirty="0"/>
-              <a:t>-We all can think, learn and understand: </a:t>
-            </a:r>
-            <a:r>
-              <a:rPr lang="en-US" dirty="0" err="1"/>
-              <a:t>tho</a:t>
-            </a:r>
-            <a:r>
-              <a:rPr lang="en-US" dirty="0"/>
-              <a:t>, abilities are not same.</a:t>
-            </a:r>
-          </a:p>
         </p:txBody>
       </p:sp>
       <p:sp>
@@ -860,35 +861,7 @@
           <a:bodyPr/>
           <a:lstStyle/>
           <a:p>
-            <a:r>
-              <a:rPr lang="en-US" dirty="0"/>
-              <a:t>[E.g. </a:t>
-            </a:r>
-            <a:r>
-              <a:rPr lang="en-US" dirty="0" err="1"/>
-              <a:t>nagpopogram</a:t>
-            </a:r>
-            <a:r>
-              <a:rPr lang="en-US" dirty="0"/>
-              <a:t>]</a:t>
-            </a:r>
-          </a:p>
-          <a:p>
             <a:endParaRPr lang="en-US" dirty="0"/>
-          </a:p>
-          <a:p>
-            <a:r>
-              <a:rPr lang="en-US" dirty="0"/>
-              <a:t>[</a:t>
-            </a:r>
-            <a:r>
-              <a:rPr lang="en-US" dirty="0" err="1"/>
-              <a:t>E.g</a:t>
-            </a:r>
-            <a:r>
-              <a:rPr lang="en-US" dirty="0"/>
-              <a:t>]</a:t>
-            </a:r>
           </a:p>
         </p:txBody>
       </p:sp>
@@ -972,100 +945,7 @@
           <a:bodyPr/>
           <a:lstStyle/>
           <a:p>
-            <a:r>
-              <a:rPr lang="en-GB" dirty="0"/>
-              <a:t>1923 Karel </a:t>
-            </a:r>
-            <a:r>
-              <a:rPr lang="en-GB" dirty="0" err="1"/>
-              <a:t>Čapek’s</a:t>
-            </a:r>
-            <a:r>
-              <a:rPr lang="en-GB" dirty="0"/>
-              <a:t> play named “Rossum's Universal Robots” (RUR) opens in London, first use of the word "robot" in English. </a:t>
-            </a:r>
-          </a:p>
-          <a:p>
-            <a:endParaRPr lang="en-GB" dirty="0"/>
-          </a:p>
-          <a:p>
-            <a:r>
-              <a:rPr lang="en-GB" dirty="0"/>
-              <a:t>1943 Foundations for neural networks laid. </a:t>
-            </a:r>
-          </a:p>
-          <a:p>
-            <a:endParaRPr lang="en-GB" dirty="0"/>
-          </a:p>
-          <a:p>
-            <a:r>
-              <a:rPr lang="en-GB" dirty="0"/>
-              <a:t>1945 Isaac Asimov, a Columbia University alumni, coined the term Robotics. </a:t>
-            </a:r>
-          </a:p>
-          <a:p>
-            <a:endParaRPr lang="en-GB" dirty="0"/>
-          </a:p>
-          <a:p>
-            <a:r>
-              <a:rPr lang="en-GB" dirty="0"/>
-              <a:t>1950 Alan Turing introduced Turing Test for evaluation of intelligence and published Computing Machinery and Intelligence. Claude Shannon published Detailed Analysis of Chess Playing as a search. </a:t>
-            </a:r>
-          </a:p>
-          <a:p>
-            <a:endParaRPr lang="en-GB" dirty="0"/>
-          </a:p>
-          <a:p>
-            <a:r>
-              <a:rPr lang="en-GB" dirty="0"/>
-              <a:t>1956 John McCarthy coined the term Artificial Intelligence. Demonstration of the first running AI program at Carnegie Mellon University. </a:t>
-            </a:r>
-          </a:p>
-          <a:p>
-            <a:endParaRPr lang="en-GB" dirty="0"/>
-          </a:p>
-          <a:p>
-            <a:r>
-              <a:rPr lang="en-GB" dirty="0"/>
-              <a:t>1958 John McCarthy invents LISP programming language for AI. </a:t>
-            </a:r>
-          </a:p>
-          <a:p>
-            <a:endParaRPr lang="en-GB" dirty="0"/>
-          </a:p>
-          <a:p>
-            <a:r>
-              <a:rPr lang="en-GB" dirty="0"/>
-              <a:t>1964 Danny </a:t>
-            </a:r>
-            <a:r>
-              <a:rPr lang="en-GB" dirty="0" err="1"/>
-              <a:t>Bobrow's</a:t>
-            </a:r>
-            <a:r>
-              <a:rPr lang="en-GB" dirty="0"/>
-              <a:t> dissertation at MIT showed that computers can understand natural language well enough to solve algebra word problems correctly. </a:t>
-            </a:r>
-          </a:p>
-          <a:p>
-            <a:endParaRPr lang="en-GB" dirty="0"/>
-          </a:p>
-          <a:p>
-            <a:r>
-              <a:rPr lang="en-GB" dirty="0"/>
-              <a:t>1965 Joseph </a:t>
-            </a:r>
-            <a:r>
-              <a:rPr lang="en-GB" dirty="0" err="1"/>
-              <a:t>Weizenbaum</a:t>
-            </a:r>
-            <a:r>
-              <a:rPr lang="en-GB" dirty="0"/>
-              <a:t> at MIT built ELIZA, an interactive problem that carries on a dialogue in English</a:t>
-            </a:r>
-          </a:p>
-          <a:p>
-            <a:endParaRPr lang="en-GB" dirty="0"/>
+            <a:endParaRPr lang="en-PH" dirty="0"/>
           </a:p>
         </p:txBody>
       </p:sp>
@@ -1086,7 +966,7 @@
           <a:p>
             <a:fld id="{9F33BB03-5EF8-4B58-B8FA-28D4639B4200}" type="slidenum">
               <a:rPr lang="en-US" smtClean="0"/>
-              <a:t>12</a:t>
+              <a:t>6</a:t>
             </a:fld>
             <a:endParaRPr lang="en-US"/>
           </a:p>
@@ -1095,7 +975,7 @@
     </p:spTree>
     <p:extLst>
       <p:ext uri="{BB962C8B-B14F-4D97-AF65-F5344CB8AC3E}">
-        <p14:creationId xmlns:p14="http://schemas.microsoft.com/office/powerpoint/2010/main" val="2995739194"/>
+        <p14:creationId xmlns:p14="http://schemas.microsoft.com/office/powerpoint/2010/main" val="2261497879"/>
       </p:ext>
     </p:extLst>
   </p:cSld>
@@ -1149,125 +1029,7 @@
           <a:bodyPr/>
           <a:lstStyle/>
           <a:p>
-            <a:r>
-              <a:rPr lang="en-GB" dirty="0"/>
-              <a:t>1969 Scientists at Stanford Research Institute Developed Shakey, a robot, equipped with locomotion, perception, and problem solving. </a:t>
-            </a:r>
-          </a:p>
-          <a:p>
             <a:endParaRPr lang="en-GB" dirty="0"/>
-          </a:p>
-          <a:p>
-            <a:r>
-              <a:rPr lang="en-GB" dirty="0"/>
-              <a:t>1973 The Assembly Robotics group at Edinburgh University built Freddy, the Famous Scottish Robot, capable of using vision to locate and assemble models.</a:t>
-            </a:r>
-          </a:p>
-          <a:p>
-            <a:endParaRPr lang="en-GB" dirty="0"/>
-          </a:p>
-          <a:p>
-            <a:r>
-              <a:rPr lang="en-GB" dirty="0"/>
-              <a:t>1979 The first computer-controlled autonomous vehicle, Stanford Cart, was built.</a:t>
-            </a:r>
-          </a:p>
-          <a:p>
-            <a:endParaRPr lang="en-GB" dirty="0"/>
-          </a:p>
-          <a:p>
-            <a:r>
-              <a:rPr lang="en-GB" dirty="0"/>
-              <a:t>1985 Harold Cohen created and demonstrated the drawing program, Aaron.</a:t>
-            </a:r>
-          </a:p>
-          <a:p>
-            <a:endParaRPr lang="en-GB" dirty="0"/>
-          </a:p>
-          <a:p>
-            <a:r>
-              <a:rPr lang="en-GB" dirty="0"/>
-              <a:t>1990 Major advances in all areas of AI: </a:t>
-            </a:r>
-          </a:p>
-          <a:p>
-            <a:r>
-              <a:rPr lang="en-GB" dirty="0"/>
-              <a:t>• Significant demonstrations in machine learning</a:t>
-            </a:r>
-          </a:p>
-          <a:p>
-            <a:r>
-              <a:rPr lang="en-GB" dirty="0"/>
-              <a:t>• Case-based reasoning</a:t>
-            </a:r>
-          </a:p>
-          <a:p>
-            <a:r>
-              <a:rPr lang="en-GB" dirty="0"/>
-              <a:t>• Multi-agent planning</a:t>
-            </a:r>
-          </a:p>
-          <a:p>
-            <a:r>
-              <a:rPr lang="en-GB" dirty="0"/>
-              <a:t>• Scheduling</a:t>
-            </a:r>
-          </a:p>
-          <a:p>
-            <a:r>
-              <a:rPr lang="en-GB" dirty="0"/>
-              <a:t>• Data mining, Web Crawler</a:t>
-            </a:r>
-          </a:p>
-          <a:p>
-            <a:r>
-              <a:rPr lang="en-GB" dirty="0"/>
-              <a:t>• Natural language understanding and translation</a:t>
-            </a:r>
-          </a:p>
-          <a:p>
-            <a:r>
-              <a:rPr lang="en-GB" dirty="0"/>
-              <a:t>• Vision, Virtual Reality</a:t>
-            </a:r>
-          </a:p>
-          <a:p>
-            <a:r>
-              <a:rPr lang="en-GB" dirty="0"/>
-              <a:t>• Games </a:t>
-            </a:r>
-          </a:p>
-          <a:p>
-            <a:endParaRPr lang="en-GB" dirty="0"/>
-          </a:p>
-          <a:p>
-            <a:r>
-              <a:rPr lang="en-GB" dirty="0"/>
-              <a:t>1997 The Deep Blue Chess Program beats the then world chess champion, Garry Kasparov. </a:t>
-            </a:r>
-          </a:p>
-          <a:p>
-            <a:endParaRPr lang="en-GB" dirty="0"/>
-          </a:p>
-          <a:p>
-            <a:r>
-              <a:rPr lang="en-GB" dirty="0"/>
-              <a:t>2000 Interactive robot pets become commercially available. MIT displays Kismet, a robot with a face that expresses emotions. The robot Nomad explores remote regions of Antarctica and locates meteorites. </a:t>
-            </a:r>
-          </a:p>
-          <a:p>
-            <a:endParaRPr lang="en-GB" dirty="0"/>
-          </a:p>
-          <a:p>
-            <a:r>
-              <a:rPr lang="en-GB" dirty="0"/>
-              <a:t>2007 ImageNet, a large database of annotated images designed to aid in visual object recognition software research.</a:t>
-            </a:r>
-            <a:endParaRPr lang="en-US" dirty="0"/>
-          </a:p>
-          <a:p>
-            <a:endParaRPr lang="en-US" dirty="0"/>
           </a:p>
         </p:txBody>
       </p:sp>
@@ -1288,7 +1050,7 @@
           <a:p>
             <a:fld id="{9F33BB03-5EF8-4B58-B8FA-28D4639B4200}" type="slidenum">
               <a:rPr lang="en-US" smtClean="0"/>
-              <a:t>13</a:t>
+              <a:t>12</a:t>
             </a:fld>
             <a:endParaRPr lang="en-US"/>
           </a:p>
@@ -1297,7 +1059,7 @@
     </p:spTree>
     <p:extLst>
       <p:ext uri="{BB962C8B-B14F-4D97-AF65-F5344CB8AC3E}">
-        <p14:creationId xmlns:p14="http://schemas.microsoft.com/office/powerpoint/2010/main" val="1152828979"/>
+        <p14:creationId xmlns:p14="http://schemas.microsoft.com/office/powerpoint/2010/main" val="2995739194"/>
       </p:ext>
     </p:extLst>
   </p:cSld>
@@ -1372,7 +1134,7 @@
           <a:p>
             <a:fld id="{9F33BB03-5EF8-4B58-B8FA-28D4639B4200}" type="slidenum">
               <a:rPr lang="en-US" smtClean="0"/>
-              <a:t>14</a:t>
+              <a:t>13</a:t>
             </a:fld>
             <a:endParaRPr lang="en-US"/>
           </a:p>
@@ -1381,7 +1143,7 @@
     </p:spTree>
     <p:extLst>
       <p:ext uri="{BB962C8B-B14F-4D97-AF65-F5344CB8AC3E}">
-        <p14:creationId xmlns:p14="http://schemas.microsoft.com/office/powerpoint/2010/main" val="4079430442"/>
+        <p14:creationId xmlns:p14="http://schemas.microsoft.com/office/powerpoint/2010/main" val="1152828979"/>
       </p:ext>
     </p:extLst>
   </p:cSld>
@@ -1456,7 +1218,7 @@
           <a:p>
             <a:fld id="{9F33BB03-5EF8-4B58-B8FA-28D4639B4200}" type="slidenum">
               <a:rPr lang="en-US" smtClean="0"/>
-              <a:t>15</a:t>
+              <a:t>14</a:t>
             </a:fld>
             <a:endParaRPr lang="en-US"/>
           </a:p>
@@ -1465,7 +1227,7 @@
     </p:spTree>
     <p:extLst>
       <p:ext uri="{BB962C8B-B14F-4D97-AF65-F5344CB8AC3E}">
-        <p14:creationId xmlns:p14="http://schemas.microsoft.com/office/powerpoint/2010/main" val="1833158147"/>
+        <p14:creationId xmlns:p14="http://schemas.microsoft.com/office/powerpoint/2010/main" val="4079430442"/>
       </p:ext>
     </p:extLst>
   </p:cSld>
@@ -1540,7 +1302,7 @@
           <a:p>
             <a:fld id="{9F33BB03-5EF8-4B58-B8FA-28D4639B4200}" type="slidenum">
               <a:rPr lang="en-US" smtClean="0"/>
-              <a:t>16</a:t>
+              <a:t>15</a:t>
             </a:fld>
             <a:endParaRPr lang="en-US"/>
           </a:p>
@@ -1549,7 +1311,7 @@
     </p:spTree>
     <p:extLst>
       <p:ext uri="{BB962C8B-B14F-4D97-AF65-F5344CB8AC3E}">
-        <p14:creationId xmlns:p14="http://schemas.microsoft.com/office/powerpoint/2010/main" val="3987194832"/>
+        <p14:creationId xmlns:p14="http://schemas.microsoft.com/office/powerpoint/2010/main" val="1833158147"/>
       </p:ext>
     </p:extLst>
   </p:cSld>
@@ -1603,10 +1365,7 @@
           <a:bodyPr/>
           <a:lstStyle/>
           <a:p>
-            <a:r>
-              <a:rPr lang="en-US" dirty="0"/>
-              <a:t>[ developed to determine or test if machine is truly intelligent ]</a:t>
-            </a:r>
+            <a:endParaRPr lang="en-US" dirty="0"/>
           </a:p>
         </p:txBody>
       </p:sp>
@@ -1627,7 +1386,7 @@
           <a:p>
             <a:fld id="{9F33BB03-5EF8-4B58-B8FA-28D4639B4200}" type="slidenum">
               <a:rPr lang="en-US" smtClean="0"/>
-              <a:t>17</a:t>
+              <a:t>16</a:t>
             </a:fld>
             <a:endParaRPr lang="en-US"/>
           </a:p>
@@ -1636,7 +1395,7 @@
     </p:spTree>
     <p:extLst>
       <p:ext uri="{BB962C8B-B14F-4D97-AF65-F5344CB8AC3E}">
-        <p14:creationId xmlns:p14="http://schemas.microsoft.com/office/powerpoint/2010/main" val="2106803618"/>
+        <p14:creationId xmlns:p14="http://schemas.microsoft.com/office/powerpoint/2010/main" val="3987194832"/>
       </p:ext>
     </p:extLst>
   </p:cSld>
@@ -1793,7 +1552,7 @@
           <a:p>
             <a:fld id="{BE2B4B08-0908-49DA-86CF-357934EBB946}" type="datetimeFigureOut">
               <a:rPr lang="en-US" smtClean="0"/>
-              <a:t>8/22/2022</a:t>
+              <a:t>8/23/2022</a:t>
             </a:fld>
             <a:endParaRPr lang="en-US"/>
           </a:p>
@@ -1991,7 +1750,7 @@
           <a:p>
             <a:fld id="{BE2B4B08-0908-49DA-86CF-357934EBB946}" type="datetimeFigureOut">
               <a:rPr lang="en-US" smtClean="0"/>
-              <a:t>8/22/2022</a:t>
+              <a:t>8/23/2022</a:t>
             </a:fld>
             <a:endParaRPr lang="en-US"/>
           </a:p>
@@ -2199,7 +1958,7 @@
           <a:p>
             <a:fld id="{BE2B4B08-0908-49DA-86CF-357934EBB946}" type="datetimeFigureOut">
               <a:rPr lang="en-US" smtClean="0"/>
-              <a:t>8/22/2022</a:t>
+              <a:t>8/23/2022</a:t>
             </a:fld>
             <a:endParaRPr lang="en-US"/>
           </a:p>
@@ -2397,7 +2156,7 @@
           <a:p>
             <a:fld id="{BE2B4B08-0908-49DA-86CF-357934EBB946}" type="datetimeFigureOut">
               <a:rPr lang="en-US" smtClean="0"/>
-              <a:t>8/22/2022</a:t>
+              <a:t>8/23/2022</a:t>
             </a:fld>
             <a:endParaRPr lang="en-US"/>
           </a:p>
@@ -2672,7 +2431,7 @@
           <a:p>
             <a:fld id="{BE2B4B08-0908-49DA-86CF-357934EBB946}" type="datetimeFigureOut">
               <a:rPr lang="en-US" smtClean="0"/>
-              <a:t>8/22/2022</a:t>
+              <a:t>8/23/2022</a:t>
             </a:fld>
             <a:endParaRPr lang="en-US"/>
           </a:p>
@@ -2937,7 +2696,7 @@
           <a:p>
             <a:fld id="{BE2B4B08-0908-49DA-86CF-357934EBB946}" type="datetimeFigureOut">
               <a:rPr lang="en-US" smtClean="0"/>
-              <a:t>8/22/2022</a:t>
+              <a:t>8/23/2022</a:t>
             </a:fld>
             <a:endParaRPr lang="en-US"/>
           </a:p>
@@ -3349,7 +3108,7 @@
           <a:p>
             <a:fld id="{BE2B4B08-0908-49DA-86CF-357934EBB946}" type="datetimeFigureOut">
               <a:rPr lang="en-US" smtClean="0"/>
-              <a:t>8/22/2022</a:t>
+              <a:t>8/23/2022</a:t>
             </a:fld>
             <a:endParaRPr lang="en-US"/>
           </a:p>
@@ -3490,7 +3249,7 @@
           <a:p>
             <a:fld id="{BE2B4B08-0908-49DA-86CF-357934EBB946}" type="datetimeFigureOut">
               <a:rPr lang="en-US" smtClean="0"/>
-              <a:t>8/22/2022</a:t>
+              <a:t>8/23/2022</a:t>
             </a:fld>
             <a:endParaRPr lang="en-US"/>
           </a:p>
@@ -3603,7 +3362,7 @@
           <a:p>
             <a:fld id="{BE2B4B08-0908-49DA-86CF-357934EBB946}" type="datetimeFigureOut">
               <a:rPr lang="en-US" smtClean="0"/>
-              <a:t>8/22/2022</a:t>
+              <a:t>8/23/2022</a:t>
             </a:fld>
             <a:endParaRPr lang="en-US"/>
           </a:p>
@@ -3914,7 +3673,7 @@
           <a:p>
             <a:fld id="{BE2B4B08-0908-49DA-86CF-357934EBB946}" type="datetimeFigureOut">
               <a:rPr lang="en-US" smtClean="0"/>
-              <a:t>8/22/2022</a:t>
+              <a:t>8/23/2022</a:t>
             </a:fld>
             <a:endParaRPr lang="en-US"/>
           </a:p>
@@ -4202,7 +3961,7 @@
           <a:p>
             <a:fld id="{BE2B4B08-0908-49DA-86CF-357934EBB946}" type="datetimeFigureOut">
               <a:rPr lang="en-US" smtClean="0"/>
-              <a:t>8/22/2022</a:t>
+              <a:t>8/23/2022</a:t>
             </a:fld>
             <a:endParaRPr lang="en-US"/>
           </a:p>
@@ -4443,7 +4202,7 @@
           <a:p>
             <a:fld id="{BE2B4B08-0908-49DA-86CF-357934EBB946}" type="datetimeFigureOut">
               <a:rPr lang="en-US" smtClean="0"/>
-              <a:t>8/22/2022</a:t>
+              <a:t>8/23/2022</a:t>
             </a:fld>
             <a:endParaRPr lang="en-US"/>
           </a:p>
@@ -22449,7 +22208,7 @@
           <p:nvPr/>
         </p:nvPicPr>
         <p:blipFill>
-          <a:blip r:embed="rId2">
+          <a:blip r:embed="rId3">
             <a:extLst>
               <a:ext uri="{28A0092B-C50C-407E-A947-70E740481C1C}">
                 <a14:useLocalDpi xmlns:a14="http://schemas.microsoft.com/office/drawing/2010/main" val="0"/>
